--- a/docs/mabool_vg5000_cover.pptx
+++ b/docs/mabool_vg5000_cover.pptx
@@ -7,20 +7,21 @@
   <p:sldIdLst>
     <p:sldId id="256" r:id="rId2"/>
     <p:sldId id="261" r:id="rId3"/>
-    <p:sldId id="266" r:id="rId4"/>
-    <p:sldId id="269" r:id="rId5"/>
-    <p:sldId id="264" r:id="rId6"/>
-    <p:sldId id="265" r:id="rId7"/>
-    <p:sldId id="272" r:id="rId8"/>
-    <p:sldId id="268" r:id="rId9"/>
-    <p:sldId id="262" r:id="rId10"/>
-    <p:sldId id="270" r:id="rId11"/>
-    <p:sldId id="271" r:id="rId12"/>
-    <p:sldId id="267" r:id="rId13"/>
-    <p:sldId id="273" r:id="rId14"/>
-    <p:sldId id="257" r:id="rId15"/>
-    <p:sldId id="259" r:id="rId16"/>
-    <p:sldId id="258" r:id="rId17"/>
+    <p:sldId id="274" r:id="rId4"/>
+    <p:sldId id="266" r:id="rId5"/>
+    <p:sldId id="269" r:id="rId6"/>
+    <p:sldId id="264" r:id="rId7"/>
+    <p:sldId id="265" r:id="rId8"/>
+    <p:sldId id="272" r:id="rId9"/>
+    <p:sldId id="268" r:id="rId10"/>
+    <p:sldId id="262" r:id="rId11"/>
+    <p:sldId id="270" r:id="rId12"/>
+    <p:sldId id="271" r:id="rId13"/>
+    <p:sldId id="267" r:id="rId14"/>
+    <p:sldId id="273" r:id="rId15"/>
+    <p:sldId id="257" r:id="rId16"/>
+    <p:sldId id="259" r:id="rId17"/>
+    <p:sldId id="258" r:id="rId18"/>
   </p:sldIdLst>
   <p:sldSz cx="12192000" cy="6858000"/>
   <p:notesSz cx="6858000" cy="9144000"/>
@@ -285,7 +286,7 @@
           <a:p>
             <a:fld id="{BE9DA22A-5204-4573-9C67-011E2DB24967}" type="datetimeFigureOut">
               <a:rPr lang="fr-FR" smtClean="0"/>
-              <a:t>31/07/2022</a:t>
+              <a:t>01/01/2023</a:t>
             </a:fld>
             <a:endParaRPr lang="fr-FR"/>
           </a:p>
@@ -483,7 +484,7 @@
           <a:p>
             <a:fld id="{BE9DA22A-5204-4573-9C67-011E2DB24967}" type="datetimeFigureOut">
               <a:rPr lang="fr-FR" smtClean="0"/>
-              <a:t>31/07/2022</a:t>
+              <a:t>01/01/2023</a:t>
             </a:fld>
             <a:endParaRPr lang="fr-FR"/>
           </a:p>
@@ -691,7 +692,7 @@
           <a:p>
             <a:fld id="{BE9DA22A-5204-4573-9C67-011E2DB24967}" type="datetimeFigureOut">
               <a:rPr lang="fr-FR" smtClean="0"/>
-              <a:t>31/07/2022</a:t>
+              <a:t>01/01/2023</a:t>
             </a:fld>
             <a:endParaRPr lang="fr-FR"/>
           </a:p>
@@ -889,7 +890,7 @@
           <a:p>
             <a:fld id="{BE9DA22A-5204-4573-9C67-011E2DB24967}" type="datetimeFigureOut">
               <a:rPr lang="fr-FR" smtClean="0"/>
-              <a:t>31/07/2022</a:t>
+              <a:t>01/01/2023</a:t>
             </a:fld>
             <a:endParaRPr lang="fr-FR"/>
           </a:p>
@@ -1164,7 +1165,7 @@
           <a:p>
             <a:fld id="{BE9DA22A-5204-4573-9C67-011E2DB24967}" type="datetimeFigureOut">
               <a:rPr lang="fr-FR" smtClean="0"/>
-              <a:t>31/07/2022</a:t>
+              <a:t>01/01/2023</a:t>
             </a:fld>
             <a:endParaRPr lang="fr-FR"/>
           </a:p>
@@ -1429,7 +1430,7 @@
           <a:p>
             <a:fld id="{BE9DA22A-5204-4573-9C67-011E2DB24967}" type="datetimeFigureOut">
               <a:rPr lang="fr-FR" smtClean="0"/>
-              <a:t>31/07/2022</a:t>
+              <a:t>01/01/2023</a:t>
             </a:fld>
             <a:endParaRPr lang="fr-FR"/>
           </a:p>
@@ -1841,7 +1842,7 @@
           <a:p>
             <a:fld id="{BE9DA22A-5204-4573-9C67-011E2DB24967}" type="datetimeFigureOut">
               <a:rPr lang="fr-FR" smtClean="0"/>
-              <a:t>31/07/2022</a:t>
+              <a:t>01/01/2023</a:t>
             </a:fld>
             <a:endParaRPr lang="fr-FR"/>
           </a:p>
@@ -1982,7 +1983,7 @@
           <a:p>
             <a:fld id="{BE9DA22A-5204-4573-9C67-011E2DB24967}" type="datetimeFigureOut">
               <a:rPr lang="fr-FR" smtClean="0"/>
-              <a:t>31/07/2022</a:t>
+              <a:t>01/01/2023</a:t>
             </a:fld>
             <a:endParaRPr lang="fr-FR"/>
           </a:p>
@@ -2095,7 +2096,7 @@
           <a:p>
             <a:fld id="{BE9DA22A-5204-4573-9C67-011E2DB24967}" type="datetimeFigureOut">
               <a:rPr lang="fr-FR" smtClean="0"/>
-              <a:t>31/07/2022</a:t>
+              <a:t>01/01/2023</a:t>
             </a:fld>
             <a:endParaRPr lang="fr-FR"/>
           </a:p>
@@ -2406,7 +2407,7 @@
           <a:p>
             <a:fld id="{BE9DA22A-5204-4573-9C67-011E2DB24967}" type="datetimeFigureOut">
               <a:rPr lang="fr-FR" smtClean="0"/>
-              <a:t>31/07/2022</a:t>
+              <a:t>01/01/2023</a:t>
             </a:fld>
             <a:endParaRPr lang="fr-FR"/>
           </a:p>
@@ -2694,7 +2695,7 @@
           <a:p>
             <a:fld id="{BE9DA22A-5204-4573-9C67-011E2DB24967}" type="datetimeFigureOut">
               <a:rPr lang="fr-FR" smtClean="0"/>
-              <a:t>31/07/2022</a:t>
+              <a:t>01/01/2023</a:t>
             </a:fld>
             <a:endParaRPr lang="fr-FR"/>
           </a:p>
@@ -2935,7 +2936,7 @@
           <a:p>
             <a:fld id="{BE9DA22A-5204-4573-9C67-011E2DB24967}" type="datetimeFigureOut">
               <a:rPr lang="fr-FR" smtClean="0"/>
-              <a:t>31/07/2022</a:t>
+              <a:t>01/01/2023</a:t>
             </a:fld>
             <a:endParaRPr lang="fr-FR"/>
           </a:p>
@@ -4120,6 +4121,319 @@
           </p:nvSpPr>
           <p:spPr>
             <a:xfrm>
+              <a:off x="1573618" y="2438653"/>
+              <a:ext cx="5108609" cy="892552"/>
+            </a:xfrm>
+            <a:prstGeom prst="rect">
+              <a:avLst/>
+            </a:prstGeom>
+            <a:noFill/>
+          </p:spPr>
+          <p:txBody>
+            <a:bodyPr wrap="square" rtlCol="0">
+              <a:spAutoFit/>
+            </a:bodyPr>
+            <a:lstStyle/>
+            <a:p>
+              <a:pPr algn="ctr"/>
+              <a:r>
+                <a:rPr lang="fr-FR" sz="3600" b="1" dirty="0">
+                  <a:latin typeface="Century Gothic" panose="020B0502020202020204" pitchFamily="34" charset="0"/>
+                </a:rPr>
+                <a:t>MABOOL</a:t>
+              </a:r>
+              <a:br>
+                <a:rPr lang="fr-FR" sz="3600" b="1" dirty="0">
+                  <a:latin typeface="Century Gothic" panose="020B0502020202020204" pitchFamily="34" charset="0"/>
+                </a:rPr>
+              </a:br>
+              <a:r>
+                <a:rPr lang="fr-FR" sz="1600" b="1" dirty="0">
+                  <a:latin typeface="Century Gothic" panose="020B0502020202020204" pitchFamily="34" charset="0"/>
+                </a:rPr>
+                <a:t>pour ordinateur Philips VG5000</a:t>
+              </a:r>
+              <a:endParaRPr lang="fr-FR" sz="3600" b="1" dirty="0">
+                <a:latin typeface="Century Gothic" panose="020B0502020202020204" pitchFamily="34" charset="0"/>
+              </a:endParaRPr>
+            </a:p>
+          </p:txBody>
+        </p:sp>
+        <p:pic>
+          <p:nvPicPr>
+            <p:cNvPr id="11" name="Picture 4" descr="Philips Logo : histoire, signification de l'emblème">
+              <a:extLst>
+                <a:ext uri="{FF2B5EF4-FFF2-40B4-BE49-F238E27FC236}">
+                  <a16:creationId xmlns:a16="http://schemas.microsoft.com/office/drawing/2014/main" id="{88BD72BF-0937-3BFC-E887-F91A5DC7FECE}"/>
+                </a:ext>
+              </a:extLst>
+            </p:cNvPr>
+            <p:cNvPicPr>
+              <a:picLocks noChangeAspect="1" noChangeArrowheads="1"/>
+            </p:cNvPicPr>
+            <p:nvPr/>
+          </p:nvPicPr>
+          <p:blipFill rotWithShape="1">
+            <a:blip r:embed="rId2">
+              <a:extLst>
+                <a:ext uri="{28A0092B-C50C-407E-A947-70E740481C1C}">
+                  <a14:useLocalDpi xmlns:a14="http://schemas.microsoft.com/office/drawing/2010/main" val="0"/>
+                </a:ext>
+              </a:extLst>
+            </a:blip>
+            <a:srcRect t="33662" r="20823" b="35261"/>
+            <a:stretch/>
+          </p:blipFill>
+          <p:spPr bwMode="auto">
+            <a:xfrm>
+              <a:off x="1641768" y="6487054"/>
+              <a:ext cx="1329179" cy="293459"/>
+            </a:xfrm>
+            <a:prstGeom prst="rect">
+              <a:avLst/>
+            </a:prstGeom>
+            <a:grpFill/>
+          </p:spPr>
+        </p:pic>
+        <p:pic>
+          <p:nvPicPr>
+            <p:cNvPr id="12" name="Picture 6">
+              <a:extLst>
+                <a:ext uri="{FF2B5EF4-FFF2-40B4-BE49-F238E27FC236}">
+                  <a16:creationId xmlns:a16="http://schemas.microsoft.com/office/drawing/2014/main" id="{30C19FB9-53AD-91A9-8456-9C1E31D56455}"/>
+                </a:ext>
+              </a:extLst>
+            </p:cNvPr>
+            <p:cNvPicPr>
+              <a:picLocks noChangeAspect="1" noChangeArrowheads="1"/>
+            </p:cNvPicPr>
+            <p:nvPr/>
+          </p:nvPicPr>
+          <p:blipFill>
+            <a:blip r:embed="rId3">
+              <a:extLst>
+                <a:ext uri="{28A0092B-C50C-407E-A947-70E740481C1C}">
+                  <a14:useLocalDpi xmlns:a14="http://schemas.microsoft.com/office/drawing/2010/main" val="0"/>
+                </a:ext>
+              </a:extLst>
+            </a:blip>
+            <a:srcRect/>
+            <a:stretch>
+              <a:fillRect/>
+            </a:stretch>
+          </p:blipFill>
+          <p:spPr bwMode="auto">
+            <a:xfrm>
+              <a:off x="6225025" y="6474354"/>
+              <a:ext cx="304800" cy="400345"/>
+            </a:xfrm>
+            <a:prstGeom prst="rect">
+              <a:avLst/>
+            </a:prstGeom>
+            <a:grpFill/>
+          </p:spPr>
+        </p:pic>
+      </p:grpSp>
+      <p:sp>
+        <p:nvSpPr>
+          <p:cNvPr id="13" name="ZoneTexte 12">
+            <a:extLst>
+              <a:ext uri="{FF2B5EF4-FFF2-40B4-BE49-F238E27FC236}">
+                <a16:creationId xmlns:a16="http://schemas.microsoft.com/office/drawing/2014/main" id="{C5B08FF6-5C11-F8A0-EBAC-5FEF89CA0E8D}"/>
+              </a:ext>
+            </a:extLst>
+          </p:cNvPr>
+          <p:cNvSpPr txBox="1"/>
+          <p:nvPr/>
+        </p:nvSpPr>
+        <p:spPr>
+          <a:xfrm>
+            <a:off x="1345018" y="5460958"/>
+            <a:ext cx="5108609" cy="369332"/>
+          </a:xfrm>
+          <a:prstGeom prst="rect">
+            <a:avLst/>
+          </a:prstGeom>
+          <a:noFill/>
+        </p:spPr>
+        <p:txBody>
+          <a:bodyPr wrap="square" rtlCol="0">
+            <a:spAutoFit/>
+          </a:bodyPr>
+          <a:lstStyle/>
+          <a:p>
+            <a:pPr algn="ctr"/>
+            <a:r>
+              <a:rPr lang="fr-FR" b="1" dirty="0">
+                <a:latin typeface="Century Gothic" panose="020B0502020202020204" pitchFamily="34" charset="0"/>
+              </a:rPr>
+              <a:t>Baptiste Bideaux ©2022</a:t>
+            </a:r>
+          </a:p>
+        </p:txBody>
+      </p:sp>
+      <p:cxnSp>
+        <p:nvCxnSpPr>
+          <p:cNvPr id="15" name="Connecteur droit 14">
+            <a:extLst>
+              <a:ext uri="{FF2B5EF4-FFF2-40B4-BE49-F238E27FC236}">
+                <a16:creationId xmlns:a16="http://schemas.microsoft.com/office/drawing/2014/main" id="{2C3CD1F2-CFD8-B187-5787-0AFC0DF5C0B9}"/>
+              </a:ext>
+            </a:extLst>
+          </p:cNvPr>
+          <p:cNvCxnSpPr/>
+          <p:nvPr/>
+        </p:nvCxnSpPr>
+        <p:spPr>
+          <a:xfrm>
+            <a:off x="1345018" y="6150279"/>
+            <a:ext cx="5108609" cy="0"/>
+          </a:xfrm>
+          <a:prstGeom prst="line">
+            <a:avLst/>
+          </a:prstGeom>
+          <a:ln w="38100">
+            <a:solidFill>
+              <a:schemeClr val="tx1"/>
+            </a:solidFill>
+          </a:ln>
+        </p:spPr>
+        <p:style>
+          <a:lnRef idx="1">
+            <a:schemeClr val="accent1"/>
+          </a:lnRef>
+          <a:fillRef idx="0">
+            <a:schemeClr val="accent1"/>
+          </a:fillRef>
+          <a:effectRef idx="0">
+            <a:schemeClr val="accent1"/>
+          </a:effectRef>
+          <a:fontRef idx="minor">
+            <a:schemeClr val="tx1"/>
+          </a:fontRef>
+        </p:style>
+      </p:cxnSp>
+    </p:spTree>
+    <p:extLst>
+      <p:ext uri="{BB962C8B-B14F-4D97-AF65-F5344CB8AC3E}">
+        <p14:creationId xmlns:p14="http://schemas.microsoft.com/office/powerpoint/2010/main" val="1985006253"/>
+      </p:ext>
+    </p:extLst>
+  </p:cSld>
+  <p:clrMapOvr>
+    <a:masterClrMapping/>
+  </p:clrMapOvr>
+</p:sld>
+</file>
+
+<file path=ppt/slides/slide11.xml><?xml version="1.0" encoding="utf-8"?>
+<p:sld xmlns:a="http://schemas.openxmlformats.org/drawingml/2006/main" xmlns:r="http://schemas.openxmlformats.org/officeDocument/2006/relationships" xmlns:p="http://schemas.openxmlformats.org/presentationml/2006/main">
+  <p:cSld>
+    <p:spTree>
+      <p:nvGrpSpPr>
+        <p:cNvPr id="1" name=""/>
+        <p:cNvGrpSpPr/>
+        <p:nvPr/>
+      </p:nvGrpSpPr>
+      <p:grpSpPr>
+        <a:xfrm>
+          <a:off x="0" y="0"/>
+          <a:ext cx="0" cy="0"/>
+          <a:chOff x="0" y="0"/>
+          <a:chExt cx="0" cy="0"/>
+        </a:xfrm>
+      </p:grpSpPr>
+      <p:grpSp>
+        <p:nvGrpSpPr>
+          <p:cNvPr id="4" name="Groupe 3">
+            <a:extLst>
+              <a:ext uri="{FF2B5EF4-FFF2-40B4-BE49-F238E27FC236}">
+                <a16:creationId xmlns:a16="http://schemas.microsoft.com/office/drawing/2014/main" id="{245F472C-B6B9-EBE9-A183-510A380574F9}"/>
+              </a:ext>
+            </a:extLst>
+          </p:cNvPr>
+          <p:cNvGrpSpPr/>
+          <p:nvPr/>
+        </p:nvGrpSpPr>
+        <p:grpSpPr>
+          <a:xfrm>
+            <a:off x="1345018" y="0"/>
+            <a:ext cx="5108609" cy="6853139"/>
+            <a:chOff x="1573618" y="156802"/>
+            <a:chExt cx="5108609" cy="6853139"/>
+          </a:xfrm>
+          <a:solidFill>
+            <a:schemeClr val="bg1"/>
+          </a:solidFill>
+        </p:grpSpPr>
+        <p:sp>
+          <p:nvSpPr>
+            <p:cNvPr id="5" name="Rectangle 4">
+              <a:extLst>
+                <a:ext uri="{FF2B5EF4-FFF2-40B4-BE49-F238E27FC236}">
+                  <a16:creationId xmlns:a16="http://schemas.microsoft.com/office/drawing/2014/main" id="{EA6271CB-7CB1-8AF6-1FA1-E3EF4709453A}"/>
+                </a:ext>
+              </a:extLst>
+            </p:cNvPr>
+            <p:cNvSpPr/>
+            <p:nvPr/>
+          </p:nvSpPr>
+          <p:spPr>
+            <a:xfrm>
+              <a:off x="1573618" y="156802"/>
+              <a:ext cx="5108609" cy="6853139"/>
+            </a:xfrm>
+            <a:prstGeom prst="rect">
+              <a:avLst/>
+            </a:prstGeom>
+            <a:grpFill/>
+            <a:ln>
+              <a:solidFill>
+                <a:schemeClr val="bg1">
+                  <a:lumMod val="85000"/>
+                </a:schemeClr>
+              </a:solidFill>
+            </a:ln>
+          </p:spPr>
+          <p:style>
+            <a:lnRef idx="2">
+              <a:schemeClr val="accent1">
+                <a:shade val="50000"/>
+              </a:schemeClr>
+            </a:lnRef>
+            <a:fillRef idx="1">
+              <a:schemeClr val="accent1"/>
+            </a:fillRef>
+            <a:effectRef idx="0">
+              <a:schemeClr val="accent1"/>
+            </a:effectRef>
+            <a:fontRef idx="minor">
+              <a:schemeClr val="lt1"/>
+            </a:fontRef>
+          </p:style>
+          <p:txBody>
+            <a:bodyPr rtlCol="0" anchor="ctr"/>
+            <a:lstStyle/>
+            <a:p>
+              <a:pPr algn="ctr"/>
+              <a:endParaRPr lang="fr-FR"/>
+            </a:p>
+          </p:txBody>
+        </p:sp>
+        <p:sp>
+          <p:nvSpPr>
+            <p:cNvPr id="9" name="ZoneTexte 8">
+              <a:extLst>
+                <a:ext uri="{FF2B5EF4-FFF2-40B4-BE49-F238E27FC236}">
+                  <a16:creationId xmlns:a16="http://schemas.microsoft.com/office/drawing/2014/main" id="{7BF7CDFD-AAD3-9FA2-5875-D712D95DEF02}"/>
+                </a:ext>
+              </a:extLst>
+            </p:cNvPr>
+            <p:cNvSpPr txBox="1"/>
+            <p:nvPr/>
+          </p:nvSpPr>
+          <p:spPr>
+            <a:xfrm>
               <a:off x="1641769" y="846207"/>
               <a:ext cx="5040458" cy="5016758"/>
             </a:xfrm>
@@ -4158,19 +4472,7 @@
                 <a:rPr lang="fr-FR" sz="1600" dirty="0">
                   <a:latin typeface="Century Gothic" panose="020B0502020202020204" pitchFamily="34" charset="0"/>
                 </a:rPr>
-                <a:t>, aventurier </a:t>
-              </a:r>
-              <a:r>
-                <a:rPr lang="fr-FR" sz="1600" dirty="0" err="1">
-                  <a:latin typeface="Century Gothic" panose="020B0502020202020204" pitchFamily="34" charset="0"/>
-                </a:rPr>
-                <a:t>rondillouard</a:t>
-              </a:r>
-              <a:r>
-                <a:rPr lang="fr-FR" sz="1600" dirty="0">
-                  <a:latin typeface="Century Gothic" panose="020B0502020202020204" pitchFamily="34" charset="0"/>
-                </a:rPr>
-                <a:t>, se retrouve enfermé dans un château obscure. Afin de s’échapper, il devra sortir de chacune des salles de ce lugubre bâtiment, en ramassant toutes les étoiles et clé présentes, qui ouvriront la porte de sortie.</a:t>
+                <a:t>, aventurier rondouillard, se retrouve enfermé dans un château obscur. Afin de s’échapper, il devra sortir de chacune des salles de ce lugubre bâtiment, en ramassant toutes les étoiles et clés présentes, qui ouvriront la porte de sortie.</a:t>
               </a:r>
             </a:p>
             <a:p>
@@ -4404,7 +4706,7 @@
 </p:sld>
 </file>
 
-<file path=ppt/slides/slide11.xml><?xml version="1.0" encoding="utf-8"?>
+<file path=ppt/slides/slide12.xml><?xml version="1.0" encoding="utf-8"?>
 <p:sld xmlns:a="http://schemas.openxmlformats.org/drawingml/2006/main" xmlns:r="http://schemas.openxmlformats.org/officeDocument/2006/relationships" xmlns:p="http://schemas.openxmlformats.org/presentationml/2006/main">
   <p:cSld>
     <p:spTree>
@@ -4854,7 +5156,7 @@
 </p:sld>
 </file>
 
-<file path=ppt/slides/slide12.xml><?xml version="1.0" encoding="utf-8"?>
+<file path=ppt/slides/slide13.xml><?xml version="1.0" encoding="utf-8"?>
 <p:sld xmlns:a="http://schemas.openxmlformats.org/drawingml/2006/main" xmlns:r="http://schemas.openxmlformats.org/officeDocument/2006/relationships" xmlns:p="http://schemas.openxmlformats.org/presentationml/2006/main">
   <p:cSld>
     <p:spTree>
@@ -5704,7 +6006,7 @@
 </p:sld>
 </file>
 
-<file path=ppt/slides/slide13.xml><?xml version="1.0" encoding="utf-8"?>
+<file path=ppt/slides/slide14.xml><?xml version="1.0" encoding="utf-8"?>
 <p:sld xmlns:a="http://schemas.openxmlformats.org/drawingml/2006/main" xmlns:r="http://schemas.openxmlformats.org/officeDocument/2006/relationships" xmlns:p="http://schemas.openxmlformats.org/presentationml/2006/main">
   <p:cSld>
     <p:spTree>
@@ -6289,7 +6591,7 @@
 </p:sld>
 </file>
 
-<file path=ppt/slides/slide14.xml><?xml version="1.0" encoding="utf-8"?>
+<file path=ppt/slides/slide15.xml><?xml version="1.0" encoding="utf-8"?>
 <p:sld xmlns:a="http://schemas.openxmlformats.org/drawingml/2006/main" xmlns:r="http://schemas.openxmlformats.org/officeDocument/2006/relationships" xmlns:p="http://schemas.openxmlformats.org/presentationml/2006/main">
   <p:cSld>
     <p:spTree>
@@ -11459,7 +11761,7 @@
 </p:sld>
 </file>
 
-<file path=ppt/slides/slide15.xml><?xml version="1.0" encoding="utf-8"?>
+<file path=ppt/slides/slide16.xml><?xml version="1.0" encoding="utf-8"?>
 <p:sld xmlns:a="http://schemas.openxmlformats.org/drawingml/2006/main" xmlns:r="http://schemas.openxmlformats.org/officeDocument/2006/relationships" xmlns:p="http://schemas.openxmlformats.org/presentationml/2006/main">
   <p:cSld>
     <p:spTree>
@@ -19394,7 +19696,7 @@
 </p:sld>
 </file>
 
-<file path=ppt/slides/slide16.xml><?xml version="1.0" encoding="utf-8"?>
+<file path=ppt/slides/slide17.xml><?xml version="1.0" encoding="utf-8"?>
 <p:sld xmlns:a="http://schemas.openxmlformats.org/drawingml/2006/main" xmlns:r="http://schemas.openxmlformats.org/officeDocument/2006/relationships" xmlns:p="http://schemas.openxmlformats.org/presentationml/2006/main">
   <p:cSld>
     <p:spTree>
@@ -22614,15 +22916,7 @@
             </a:r>
             <a:r>
               <a:rPr lang="fr-FR" dirty="0"/>
-              <a:t>, aventurier </a:t>
-            </a:r>
-            <a:r>
-              <a:rPr lang="fr-FR" dirty="0" err="1"/>
-              <a:t>rondillouard</a:t>
-            </a:r>
-            <a:r>
-              <a:rPr lang="fr-FR" dirty="0"/>
-              <a:t>, se retrouve enfermé dans un château obscure. Afin de s’échapper, il devra sortir de chacune des salles de ce lugubre bâtiment, en ramassant toutes les étoiles et clé présentes, qui ouvriront la porte de sortie.</a:t>
+              <a:t>, aventurier rondouillard, se retrouve enfermé dans un château obscur. Afin de s’échapper, il devra sortir de chacune des salles de ce lugubre bâtiment, en ramassant toutes les étoiles et clés présentes, qui ouvriront la porte de sortie.</a:t>
             </a:r>
           </a:p>
         </p:txBody>
@@ -23133,6 +23427,455 @@
 </file>
 
 <file path=ppt/slides/slide3.xml><?xml version="1.0" encoding="utf-8"?>
+<p:sld xmlns:a="http://schemas.openxmlformats.org/drawingml/2006/main" xmlns:r="http://schemas.openxmlformats.org/officeDocument/2006/relationships" xmlns:p="http://schemas.openxmlformats.org/presentationml/2006/main">
+  <p:cSld>
+    <p:spTree>
+      <p:nvGrpSpPr>
+        <p:cNvPr id="1" name=""/>
+        <p:cNvGrpSpPr/>
+        <p:nvPr/>
+      </p:nvGrpSpPr>
+      <p:grpSpPr>
+        <a:xfrm>
+          <a:off x="0" y="0"/>
+          <a:ext cx="0" cy="0"/>
+          <a:chOff x="0" y="0"/>
+          <a:chExt cx="0" cy="0"/>
+        </a:xfrm>
+      </p:grpSpPr>
+      <p:pic>
+        <p:nvPicPr>
+          <p:cNvPr id="2" name="Image 1">
+            <a:extLst>
+              <a:ext uri="{FF2B5EF4-FFF2-40B4-BE49-F238E27FC236}">
+                <a16:creationId xmlns:a16="http://schemas.microsoft.com/office/drawing/2014/main" id="{43F9501A-1BBE-2F3B-4678-94DE4643F7BE}"/>
+              </a:ext>
+            </a:extLst>
+          </p:cNvPr>
+          <p:cNvPicPr>
+            <a:picLocks noChangeAspect="1"/>
+          </p:cNvPicPr>
+          <p:nvPr/>
+        </p:nvPicPr>
+        <p:blipFill>
+          <a:blip r:embed="rId2"/>
+          <a:stretch>
+            <a:fillRect/>
+          </a:stretch>
+        </p:blipFill>
+        <p:spPr>
+          <a:xfrm>
+            <a:off x="2857784" y="772799"/>
+            <a:ext cx="6000750" cy="4762500"/>
+          </a:xfrm>
+          <a:prstGeom prst="rect">
+            <a:avLst/>
+          </a:prstGeom>
+        </p:spPr>
+      </p:pic>
+      <p:pic>
+        <p:nvPicPr>
+          <p:cNvPr id="12" name="Picture 8" descr="Rétro Jeu Hippie Néon Paysage Avec Labyrinthe Obscur Clip Art Libres De  Droits , Svg , Vecteurs Et Illustration. Image 48483234.">
+            <a:extLst>
+              <a:ext uri="{FF2B5EF4-FFF2-40B4-BE49-F238E27FC236}">
+                <a16:creationId xmlns:a16="http://schemas.microsoft.com/office/drawing/2014/main" id="{2AE7B254-4F3B-8AEF-9F2A-E669A995B4B0}"/>
+              </a:ext>
+            </a:extLst>
+          </p:cNvPr>
+          <p:cNvPicPr>
+            <a:picLocks noChangeAspect="1" noChangeArrowheads="1"/>
+          </p:cNvPicPr>
+          <p:nvPr/>
+        </p:nvPicPr>
+        <p:blipFill rotWithShape="1">
+          <a:blip r:embed="rId3">
+            <a:extLst>
+              <a:ext uri="{28A0092B-C50C-407E-A947-70E740481C1C}">
+                <a14:useLocalDpi xmlns:a14="http://schemas.microsoft.com/office/drawing/2010/main" val="0"/>
+              </a:ext>
+            </a:extLst>
+          </a:blip>
+          <a:srcRect l="5448" t="23844" r="13394" b="16286"/>
+          <a:stretch/>
+        </p:blipFill>
+        <p:spPr bwMode="auto">
+          <a:xfrm>
+            <a:off x="2857784" y="772799"/>
+            <a:ext cx="6000750" cy="4762500"/>
+          </a:xfrm>
+          <a:prstGeom prst="rect">
+            <a:avLst/>
+          </a:prstGeom>
+          <a:noFill/>
+          <a:extLst>
+            <a:ext uri="{909E8E84-426E-40DD-AFC4-6F175D3DCCD1}">
+              <a14:hiddenFill xmlns:a14="http://schemas.microsoft.com/office/drawing/2010/main">
+                <a:solidFill>
+                  <a:srgbClr val="FFFFFF"/>
+                </a:solidFill>
+              </a14:hiddenFill>
+            </a:ext>
+          </a:extLst>
+        </p:spPr>
+      </p:pic>
+      <p:pic>
+        <p:nvPicPr>
+          <p:cNvPr id="13" name="Image 12">
+            <a:extLst>
+              <a:ext uri="{FF2B5EF4-FFF2-40B4-BE49-F238E27FC236}">
+                <a16:creationId xmlns:a16="http://schemas.microsoft.com/office/drawing/2014/main" id="{2D683555-1C17-D7A2-9439-71B33FAFC532}"/>
+              </a:ext>
+            </a:extLst>
+          </p:cNvPr>
+          <p:cNvPicPr>
+            <a:picLocks noChangeAspect="1"/>
+          </p:cNvPicPr>
+          <p:nvPr/>
+        </p:nvPicPr>
+        <p:blipFill rotWithShape="1">
+          <a:blip r:embed="rId4"/>
+          <a:srcRect t="71078"/>
+          <a:stretch/>
+        </p:blipFill>
+        <p:spPr>
+          <a:xfrm>
+            <a:off x="3692412" y="1115018"/>
+            <a:ext cx="4454056" cy="636646"/>
+          </a:xfrm>
+          <a:prstGeom prst="rect">
+            <a:avLst/>
+          </a:prstGeom>
+          <a:effectLst>
+            <a:glow rad="76200">
+              <a:schemeClr val="accent1">
+                <a:lumMod val="20000"/>
+                <a:lumOff val="80000"/>
+              </a:schemeClr>
+            </a:glow>
+          </a:effectLst>
+        </p:spPr>
+      </p:pic>
+      <p:pic>
+        <p:nvPicPr>
+          <p:cNvPr id="14" name="Image 13">
+            <a:extLst>
+              <a:ext uri="{FF2B5EF4-FFF2-40B4-BE49-F238E27FC236}">
+                <a16:creationId xmlns:a16="http://schemas.microsoft.com/office/drawing/2014/main" id="{A4E666AF-5AB9-81BB-148D-248E6FC38110}"/>
+              </a:ext>
+            </a:extLst>
+          </p:cNvPr>
+          <p:cNvPicPr>
+            <a:picLocks noChangeAspect="1"/>
+          </p:cNvPicPr>
+          <p:nvPr/>
+        </p:nvPicPr>
+        <p:blipFill rotWithShape="1">
+          <a:blip r:embed="rId4"/>
+          <a:srcRect l="14769" r="17977" b="29280"/>
+          <a:stretch/>
+        </p:blipFill>
+        <p:spPr>
+          <a:xfrm>
+            <a:off x="3628864" y="2161731"/>
+            <a:ext cx="4581152" cy="2380756"/>
+          </a:xfrm>
+          <a:prstGeom prst="rect">
+            <a:avLst/>
+          </a:prstGeom>
+          <a:effectLst>
+            <a:glow rad="76200">
+              <a:schemeClr val="accent1">
+                <a:lumMod val="20000"/>
+                <a:lumOff val="80000"/>
+              </a:schemeClr>
+            </a:glow>
+          </a:effectLst>
+        </p:spPr>
+      </p:pic>
+      <p:sp>
+        <p:nvSpPr>
+          <p:cNvPr id="17" name="Rectangle 16">
+            <a:extLst>
+              <a:ext uri="{FF2B5EF4-FFF2-40B4-BE49-F238E27FC236}">
+                <a16:creationId xmlns:a16="http://schemas.microsoft.com/office/drawing/2014/main" id="{80FA9C08-2B9B-1D39-0DC0-E341DB707A34}"/>
+              </a:ext>
+            </a:extLst>
+          </p:cNvPr>
+          <p:cNvSpPr/>
+          <p:nvPr/>
+        </p:nvSpPr>
+        <p:spPr>
+          <a:xfrm>
+            <a:off x="2857781" y="4970254"/>
+            <a:ext cx="6000750" cy="565045"/>
+          </a:xfrm>
+          <a:prstGeom prst="rect">
+            <a:avLst/>
+          </a:prstGeom>
+          <a:solidFill>
+            <a:srgbClr val="F8BC4F"/>
+          </a:solidFill>
+          <a:ln>
+            <a:noFill/>
+          </a:ln>
+        </p:spPr>
+        <p:style>
+          <a:lnRef idx="2">
+            <a:schemeClr val="accent1">
+              <a:shade val="50000"/>
+            </a:schemeClr>
+          </a:lnRef>
+          <a:fillRef idx="1">
+            <a:schemeClr val="accent1"/>
+          </a:fillRef>
+          <a:effectRef idx="0">
+            <a:schemeClr val="accent1"/>
+          </a:effectRef>
+          <a:fontRef idx="minor">
+            <a:schemeClr val="lt1"/>
+          </a:fontRef>
+        </p:style>
+        <p:txBody>
+          <a:bodyPr rtlCol="0" anchor="ctr"/>
+          <a:lstStyle/>
+          <a:p>
+            <a:pPr algn="ctr"/>
+            <a:endParaRPr lang="fr-FR"/>
+          </a:p>
+        </p:txBody>
+      </p:sp>
+      <p:pic>
+        <p:nvPicPr>
+          <p:cNvPr id="18" name="Picture 4" descr="Philips Logo : histoire, signification de l'emblème">
+            <a:extLst>
+              <a:ext uri="{FF2B5EF4-FFF2-40B4-BE49-F238E27FC236}">
+                <a16:creationId xmlns:a16="http://schemas.microsoft.com/office/drawing/2014/main" id="{53D905F2-035E-7F5D-45F2-F96649785C85}"/>
+              </a:ext>
+            </a:extLst>
+          </p:cNvPr>
+          <p:cNvPicPr>
+            <a:picLocks noChangeAspect="1" noChangeArrowheads="1"/>
+          </p:cNvPicPr>
+          <p:nvPr/>
+        </p:nvPicPr>
+        <p:blipFill rotWithShape="1">
+          <a:blip r:embed="rId5">
+            <a:extLst>
+              <a:ext uri="{28A0092B-C50C-407E-A947-70E740481C1C}">
+                <a14:useLocalDpi xmlns:a14="http://schemas.microsoft.com/office/drawing/2010/main" val="0"/>
+              </a:ext>
+            </a:extLst>
+          </a:blip>
+          <a:srcRect t="33662" r="20823" b="35261"/>
+          <a:stretch/>
+        </p:blipFill>
+        <p:spPr bwMode="auto">
+          <a:xfrm>
+            <a:off x="6948260" y="5106046"/>
+            <a:ext cx="1329179" cy="293459"/>
+          </a:xfrm>
+          <a:prstGeom prst="rect">
+            <a:avLst/>
+          </a:prstGeom>
+          <a:noFill/>
+          <a:extLst>
+            <a:ext uri="{909E8E84-426E-40DD-AFC4-6F175D3DCCD1}">
+              <a14:hiddenFill xmlns:a14="http://schemas.microsoft.com/office/drawing/2010/main">
+                <a:solidFill>
+                  <a:srgbClr val="FFFFFF"/>
+                </a:solidFill>
+              </a14:hiddenFill>
+            </a:ext>
+          </a:extLst>
+        </p:spPr>
+      </p:pic>
+      <p:pic>
+        <p:nvPicPr>
+          <p:cNvPr id="19" name="Picture 6">
+            <a:extLst>
+              <a:ext uri="{FF2B5EF4-FFF2-40B4-BE49-F238E27FC236}">
+                <a16:creationId xmlns:a16="http://schemas.microsoft.com/office/drawing/2014/main" id="{4415763D-3DCD-5C05-B7C5-C04C0ED1BB8B}"/>
+              </a:ext>
+            </a:extLst>
+          </p:cNvPr>
+          <p:cNvPicPr>
+            <a:picLocks noChangeAspect="1" noChangeArrowheads="1"/>
+          </p:cNvPicPr>
+          <p:nvPr/>
+        </p:nvPicPr>
+        <p:blipFill>
+          <a:blip r:embed="rId6">
+            <a:extLst>
+              <a:ext uri="{28A0092B-C50C-407E-A947-70E740481C1C}">
+                <a14:useLocalDpi xmlns:a14="http://schemas.microsoft.com/office/drawing/2010/main" val="0"/>
+              </a:ext>
+            </a:extLst>
+          </a:blip>
+          <a:srcRect/>
+          <a:stretch>
+            <a:fillRect/>
+          </a:stretch>
+        </p:blipFill>
+        <p:spPr bwMode="auto">
+          <a:xfrm>
+            <a:off x="8386737" y="5081284"/>
+            <a:ext cx="304800" cy="400345"/>
+          </a:xfrm>
+          <a:prstGeom prst="rect">
+            <a:avLst/>
+          </a:prstGeom>
+          <a:noFill/>
+          <a:extLst>
+            <a:ext uri="{909E8E84-426E-40DD-AFC4-6F175D3DCCD1}">
+              <a14:hiddenFill xmlns:a14="http://schemas.microsoft.com/office/drawing/2010/main">
+                <a:solidFill>
+                  <a:srgbClr val="FFFFFF"/>
+                </a:solidFill>
+              </a14:hiddenFill>
+            </a:ext>
+          </a:extLst>
+        </p:spPr>
+      </p:pic>
+      <p:sp>
+        <p:nvSpPr>
+          <p:cNvPr id="20" name="ZoneTexte 19">
+            <a:extLst>
+              <a:ext uri="{FF2B5EF4-FFF2-40B4-BE49-F238E27FC236}">
+                <a16:creationId xmlns:a16="http://schemas.microsoft.com/office/drawing/2014/main" id="{94D83392-2729-3865-5DA7-F85EE769DD09}"/>
+              </a:ext>
+            </a:extLst>
+          </p:cNvPr>
+          <p:cNvSpPr txBox="1"/>
+          <p:nvPr/>
+        </p:nvSpPr>
+        <p:spPr>
+          <a:xfrm>
+            <a:off x="2940628" y="4986938"/>
+            <a:ext cx="1706031" cy="523220"/>
+          </a:xfrm>
+          <a:prstGeom prst="rect">
+            <a:avLst/>
+          </a:prstGeom>
+          <a:noFill/>
+        </p:spPr>
+        <p:txBody>
+          <a:bodyPr wrap="square" rtlCol="0">
+            <a:spAutoFit/>
+          </a:bodyPr>
+          <a:lstStyle/>
+          <a:p>
+            <a:r>
+              <a:rPr lang="fr-FR" sz="2800" dirty="0">
+                <a:latin typeface="Century Gothic" panose="020B0502020202020204" pitchFamily="34" charset="0"/>
+              </a:rPr>
+              <a:t>VG 5000</a:t>
+            </a:r>
+          </a:p>
+        </p:txBody>
+      </p:sp>
+      <p:sp>
+        <p:nvSpPr>
+          <p:cNvPr id="21" name="ZoneTexte 20">
+            <a:extLst>
+              <a:ext uri="{FF2B5EF4-FFF2-40B4-BE49-F238E27FC236}">
+                <a16:creationId xmlns:a16="http://schemas.microsoft.com/office/drawing/2014/main" id="{4D8877B5-2006-5CDA-5677-898C9287B0CE}"/>
+              </a:ext>
+            </a:extLst>
+          </p:cNvPr>
+          <p:cNvSpPr txBox="1"/>
+          <p:nvPr/>
+        </p:nvSpPr>
+        <p:spPr>
+          <a:xfrm>
+            <a:off x="4424727" y="4985780"/>
+            <a:ext cx="573443" cy="276999"/>
+          </a:xfrm>
+          <a:prstGeom prst="rect">
+            <a:avLst/>
+          </a:prstGeom>
+          <a:noFill/>
+        </p:spPr>
+        <p:txBody>
+          <a:bodyPr wrap="square" rtlCol="0">
+            <a:spAutoFit/>
+          </a:bodyPr>
+          <a:lstStyle/>
+          <a:p>
+            <a:r>
+              <a:rPr lang="fr-FR" sz="1200" b="1" i="1" dirty="0">
+                <a:latin typeface="Century Gothic" panose="020B0502020202020204" pitchFamily="34" charset="0"/>
+              </a:rPr>
+              <a:t>µ</a:t>
+            </a:r>
+          </a:p>
+        </p:txBody>
+      </p:sp>
+      <p:sp>
+        <p:nvSpPr>
+          <p:cNvPr id="23" name="Rectangle 22">
+            <a:extLst>
+              <a:ext uri="{FF2B5EF4-FFF2-40B4-BE49-F238E27FC236}">
+                <a16:creationId xmlns:a16="http://schemas.microsoft.com/office/drawing/2014/main" id="{F07D40D4-E52E-5344-5A27-748C7E6F5EF5}"/>
+              </a:ext>
+            </a:extLst>
+          </p:cNvPr>
+          <p:cNvSpPr/>
+          <p:nvPr/>
+        </p:nvSpPr>
+        <p:spPr>
+          <a:xfrm>
+            <a:off x="2857781" y="4918315"/>
+            <a:ext cx="6000750" cy="61947"/>
+          </a:xfrm>
+          <a:prstGeom prst="rect">
+            <a:avLst/>
+          </a:prstGeom>
+          <a:solidFill>
+            <a:schemeClr val="tx1"/>
+          </a:solidFill>
+          <a:ln>
+            <a:noFill/>
+          </a:ln>
+        </p:spPr>
+        <p:style>
+          <a:lnRef idx="2">
+            <a:schemeClr val="accent1">
+              <a:shade val="50000"/>
+            </a:schemeClr>
+          </a:lnRef>
+          <a:fillRef idx="1">
+            <a:schemeClr val="accent1"/>
+          </a:fillRef>
+          <a:effectRef idx="0">
+            <a:schemeClr val="accent1"/>
+          </a:effectRef>
+          <a:fontRef idx="minor">
+            <a:schemeClr val="lt1"/>
+          </a:fontRef>
+        </p:style>
+        <p:txBody>
+          <a:bodyPr rtlCol="0" anchor="ctr"/>
+          <a:lstStyle/>
+          <a:p>
+            <a:pPr algn="ctr"/>
+            <a:endParaRPr lang="fr-FR"/>
+          </a:p>
+        </p:txBody>
+      </p:sp>
+    </p:spTree>
+    <p:extLst>
+      <p:ext uri="{BB962C8B-B14F-4D97-AF65-F5344CB8AC3E}">
+        <p14:creationId xmlns:p14="http://schemas.microsoft.com/office/powerpoint/2010/main" val="350901062"/>
+      </p:ext>
+    </p:extLst>
+  </p:cSld>
+  <p:clrMapOvr>
+    <a:masterClrMapping/>
+  </p:clrMapOvr>
+</p:sld>
+</file>
+
+<file path=ppt/slides/slide4.xml><?xml version="1.0" encoding="utf-8"?>
 <p:sld xmlns:a="http://schemas.openxmlformats.org/drawingml/2006/main" xmlns:r="http://schemas.openxmlformats.org/officeDocument/2006/relationships" xmlns:p="http://schemas.openxmlformats.org/presentationml/2006/main">
   <p:cSld>
     <p:spTree>
@@ -23749,7 +24492,7 @@
 </p:sld>
 </file>
 
-<file path=ppt/slides/slide4.xml><?xml version="1.0" encoding="utf-8"?>
+<file path=ppt/slides/slide5.xml><?xml version="1.0" encoding="utf-8"?>
 <p:sld xmlns:a="http://schemas.openxmlformats.org/drawingml/2006/main" xmlns:r="http://schemas.openxmlformats.org/officeDocument/2006/relationships" xmlns:p="http://schemas.openxmlformats.org/presentationml/2006/main">
   <p:cSld>
     <p:spTree>
@@ -24062,7 +24805,7 @@
 </p:sld>
 </file>
 
-<file path=ppt/slides/slide5.xml><?xml version="1.0" encoding="utf-8"?>
+<file path=ppt/slides/slide6.xml><?xml version="1.0" encoding="utf-8"?>
 <p:sld xmlns:a="http://schemas.openxmlformats.org/drawingml/2006/main" xmlns:r="http://schemas.openxmlformats.org/officeDocument/2006/relationships" xmlns:p="http://schemas.openxmlformats.org/presentationml/2006/main">
   <p:cSld>
     <p:spTree>
@@ -24422,7 +25165,7 @@
 </p:sld>
 </file>
 
-<file path=ppt/slides/slide6.xml><?xml version="1.0" encoding="utf-8"?>
+<file path=ppt/slides/slide7.xml><?xml version="1.0" encoding="utf-8"?>
 <p:sld xmlns:a="http://schemas.openxmlformats.org/drawingml/2006/main" xmlns:r="http://schemas.openxmlformats.org/officeDocument/2006/relationships" xmlns:p="http://schemas.openxmlformats.org/presentationml/2006/main">
   <p:cSld>
     <p:spTree>
@@ -24855,7 +25598,7 @@
 </p:sld>
 </file>
 
-<file path=ppt/slides/slide7.xml><?xml version="1.0" encoding="utf-8"?>
+<file path=ppt/slides/slide8.xml><?xml version="1.0" encoding="utf-8"?>
 <p:sld xmlns:a="http://schemas.openxmlformats.org/drawingml/2006/main" xmlns:r="http://schemas.openxmlformats.org/officeDocument/2006/relationships" xmlns:p="http://schemas.openxmlformats.org/presentationml/2006/main">
   <p:cSld>
     <p:spTree>
@@ -25773,7 +26516,7 @@
 </p:sld>
 </file>
 
-<file path=ppt/slides/slide8.xml><?xml version="1.0" encoding="utf-8"?>
+<file path=ppt/slides/slide9.xml><?xml version="1.0" encoding="utf-8"?>
 <p:sld xmlns:a="http://schemas.openxmlformats.org/drawingml/2006/main" xmlns:r="http://schemas.openxmlformats.org/officeDocument/2006/relationships" xmlns:p="http://schemas.openxmlformats.org/presentationml/2006/main">
   <p:cSld>
     <p:spTree>
@@ -26374,319 +27117,6 @@
 </p:sld>
 </file>
 
-<file path=ppt/slides/slide9.xml><?xml version="1.0" encoding="utf-8"?>
-<p:sld xmlns:a="http://schemas.openxmlformats.org/drawingml/2006/main" xmlns:r="http://schemas.openxmlformats.org/officeDocument/2006/relationships" xmlns:p="http://schemas.openxmlformats.org/presentationml/2006/main">
-  <p:cSld>
-    <p:spTree>
-      <p:nvGrpSpPr>
-        <p:cNvPr id="1" name=""/>
-        <p:cNvGrpSpPr/>
-        <p:nvPr/>
-      </p:nvGrpSpPr>
-      <p:grpSpPr>
-        <a:xfrm>
-          <a:off x="0" y="0"/>
-          <a:ext cx="0" cy="0"/>
-          <a:chOff x="0" y="0"/>
-          <a:chExt cx="0" cy="0"/>
-        </a:xfrm>
-      </p:grpSpPr>
-      <p:grpSp>
-        <p:nvGrpSpPr>
-          <p:cNvPr id="4" name="Groupe 3">
-            <a:extLst>
-              <a:ext uri="{FF2B5EF4-FFF2-40B4-BE49-F238E27FC236}">
-                <a16:creationId xmlns:a16="http://schemas.microsoft.com/office/drawing/2014/main" id="{245F472C-B6B9-EBE9-A183-510A380574F9}"/>
-              </a:ext>
-            </a:extLst>
-          </p:cNvPr>
-          <p:cNvGrpSpPr/>
-          <p:nvPr/>
-        </p:nvGrpSpPr>
-        <p:grpSpPr>
-          <a:xfrm>
-            <a:off x="1345018" y="0"/>
-            <a:ext cx="5108609" cy="6853139"/>
-            <a:chOff x="1573618" y="156802"/>
-            <a:chExt cx="5108609" cy="6853139"/>
-          </a:xfrm>
-          <a:solidFill>
-            <a:schemeClr val="bg1"/>
-          </a:solidFill>
-        </p:grpSpPr>
-        <p:sp>
-          <p:nvSpPr>
-            <p:cNvPr id="5" name="Rectangle 4">
-              <a:extLst>
-                <a:ext uri="{FF2B5EF4-FFF2-40B4-BE49-F238E27FC236}">
-                  <a16:creationId xmlns:a16="http://schemas.microsoft.com/office/drawing/2014/main" id="{EA6271CB-7CB1-8AF6-1FA1-E3EF4709453A}"/>
-                </a:ext>
-              </a:extLst>
-            </p:cNvPr>
-            <p:cNvSpPr/>
-            <p:nvPr/>
-          </p:nvSpPr>
-          <p:spPr>
-            <a:xfrm>
-              <a:off x="1573618" y="156802"/>
-              <a:ext cx="5108609" cy="6853139"/>
-            </a:xfrm>
-            <a:prstGeom prst="rect">
-              <a:avLst/>
-            </a:prstGeom>
-            <a:grpFill/>
-            <a:ln>
-              <a:solidFill>
-                <a:schemeClr val="bg1">
-                  <a:lumMod val="85000"/>
-                </a:schemeClr>
-              </a:solidFill>
-            </a:ln>
-          </p:spPr>
-          <p:style>
-            <a:lnRef idx="2">
-              <a:schemeClr val="accent1">
-                <a:shade val="50000"/>
-              </a:schemeClr>
-            </a:lnRef>
-            <a:fillRef idx="1">
-              <a:schemeClr val="accent1"/>
-            </a:fillRef>
-            <a:effectRef idx="0">
-              <a:schemeClr val="accent1"/>
-            </a:effectRef>
-            <a:fontRef idx="minor">
-              <a:schemeClr val="lt1"/>
-            </a:fontRef>
-          </p:style>
-          <p:txBody>
-            <a:bodyPr rtlCol="0" anchor="ctr"/>
-            <a:lstStyle/>
-            <a:p>
-              <a:pPr algn="ctr"/>
-              <a:endParaRPr lang="fr-FR"/>
-            </a:p>
-          </p:txBody>
-        </p:sp>
-        <p:sp>
-          <p:nvSpPr>
-            <p:cNvPr id="9" name="ZoneTexte 8">
-              <a:extLst>
-                <a:ext uri="{FF2B5EF4-FFF2-40B4-BE49-F238E27FC236}">
-                  <a16:creationId xmlns:a16="http://schemas.microsoft.com/office/drawing/2014/main" id="{7BF7CDFD-AAD3-9FA2-5875-D712D95DEF02}"/>
-                </a:ext>
-              </a:extLst>
-            </p:cNvPr>
-            <p:cNvSpPr txBox="1"/>
-            <p:nvPr/>
-          </p:nvSpPr>
-          <p:spPr>
-            <a:xfrm>
-              <a:off x="1573618" y="2438653"/>
-              <a:ext cx="5108609" cy="892552"/>
-            </a:xfrm>
-            <a:prstGeom prst="rect">
-              <a:avLst/>
-            </a:prstGeom>
-            <a:noFill/>
-          </p:spPr>
-          <p:txBody>
-            <a:bodyPr wrap="square" rtlCol="0">
-              <a:spAutoFit/>
-            </a:bodyPr>
-            <a:lstStyle/>
-            <a:p>
-              <a:pPr algn="ctr"/>
-              <a:r>
-                <a:rPr lang="fr-FR" sz="3600" b="1" dirty="0">
-                  <a:latin typeface="Century Gothic" panose="020B0502020202020204" pitchFamily="34" charset="0"/>
-                </a:rPr>
-                <a:t>MABOOL</a:t>
-              </a:r>
-              <a:br>
-                <a:rPr lang="fr-FR" sz="3600" b="1" dirty="0">
-                  <a:latin typeface="Century Gothic" panose="020B0502020202020204" pitchFamily="34" charset="0"/>
-                </a:rPr>
-              </a:br>
-              <a:r>
-                <a:rPr lang="fr-FR" sz="1600" b="1" dirty="0">
-                  <a:latin typeface="Century Gothic" panose="020B0502020202020204" pitchFamily="34" charset="0"/>
-                </a:rPr>
-                <a:t>pour ordinateur Philips VG5000</a:t>
-              </a:r>
-              <a:endParaRPr lang="fr-FR" sz="3600" b="1" dirty="0">
-                <a:latin typeface="Century Gothic" panose="020B0502020202020204" pitchFamily="34" charset="0"/>
-              </a:endParaRPr>
-            </a:p>
-          </p:txBody>
-        </p:sp>
-        <p:pic>
-          <p:nvPicPr>
-            <p:cNvPr id="11" name="Picture 4" descr="Philips Logo : histoire, signification de l'emblème">
-              <a:extLst>
-                <a:ext uri="{FF2B5EF4-FFF2-40B4-BE49-F238E27FC236}">
-                  <a16:creationId xmlns:a16="http://schemas.microsoft.com/office/drawing/2014/main" id="{88BD72BF-0937-3BFC-E887-F91A5DC7FECE}"/>
-                </a:ext>
-              </a:extLst>
-            </p:cNvPr>
-            <p:cNvPicPr>
-              <a:picLocks noChangeAspect="1" noChangeArrowheads="1"/>
-            </p:cNvPicPr>
-            <p:nvPr/>
-          </p:nvPicPr>
-          <p:blipFill rotWithShape="1">
-            <a:blip r:embed="rId2">
-              <a:extLst>
-                <a:ext uri="{28A0092B-C50C-407E-A947-70E740481C1C}">
-                  <a14:useLocalDpi xmlns:a14="http://schemas.microsoft.com/office/drawing/2010/main" val="0"/>
-                </a:ext>
-              </a:extLst>
-            </a:blip>
-            <a:srcRect t="33662" r="20823" b="35261"/>
-            <a:stretch/>
-          </p:blipFill>
-          <p:spPr bwMode="auto">
-            <a:xfrm>
-              <a:off x="1641768" y="6487054"/>
-              <a:ext cx="1329179" cy="293459"/>
-            </a:xfrm>
-            <a:prstGeom prst="rect">
-              <a:avLst/>
-            </a:prstGeom>
-            <a:grpFill/>
-          </p:spPr>
-        </p:pic>
-        <p:pic>
-          <p:nvPicPr>
-            <p:cNvPr id="12" name="Picture 6">
-              <a:extLst>
-                <a:ext uri="{FF2B5EF4-FFF2-40B4-BE49-F238E27FC236}">
-                  <a16:creationId xmlns:a16="http://schemas.microsoft.com/office/drawing/2014/main" id="{30C19FB9-53AD-91A9-8456-9C1E31D56455}"/>
-                </a:ext>
-              </a:extLst>
-            </p:cNvPr>
-            <p:cNvPicPr>
-              <a:picLocks noChangeAspect="1" noChangeArrowheads="1"/>
-            </p:cNvPicPr>
-            <p:nvPr/>
-          </p:nvPicPr>
-          <p:blipFill>
-            <a:blip r:embed="rId3">
-              <a:extLst>
-                <a:ext uri="{28A0092B-C50C-407E-A947-70E740481C1C}">
-                  <a14:useLocalDpi xmlns:a14="http://schemas.microsoft.com/office/drawing/2010/main" val="0"/>
-                </a:ext>
-              </a:extLst>
-            </a:blip>
-            <a:srcRect/>
-            <a:stretch>
-              <a:fillRect/>
-            </a:stretch>
-          </p:blipFill>
-          <p:spPr bwMode="auto">
-            <a:xfrm>
-              <a:off x="6225025" y="6474354"/>
-              <a:ext cx="304800" cy="400345"/>
-            </a:xfrm>
-            <a:prstGeom prst="rect">
-              <a:avLst/>
-            </a:prstGeom>
-            <a:grpFill/>
-          </p:spPr>
-        </p:pic>
-      </p:grpSp>
-      <p:sp>
-        <p:nvSpPr>
-          <p:cNvPr id="13" name="ZoneTexte 12">
-            <a:extLst>
-              <a:ext uri="{FF2B5EF4-FFF2-40B4-BE49-F238E27FC236}">
-                <a16:creationId xmlns:a16="http://schemas.microsoft.com/office/drawing/2014/main" id="{C5B08FF6-5C11-F8A0-EBAC-5FEF89CA0E8D}"/>
-              </a:ext>
-            </a:extLst>
-          </p:cNvPr>
-          <p:cNvSpPr txBox="1"/>
-          <p:nvPr/>
-        </p:nvSpPr>
-        <p:spPr>
-          <a:xfrm>
-            <a:off x="1345018" y="5460958"/>
-            <a:ext cx="5108609" cy="369332"/>
-          </a:xfrm>
-          <a:prstGeom prst="rect">
-            <a:avLst/>
-          </a:prstGeom>
-          <a:noFill/>
-        </p:spPr>
-        <p:txBody>
-          <a:bodyPr wrap="square" rtlCol="0">
-            <a:spAutoFit/>
-          </a:bodyPr>
-          <a:lstStyle/>
-          <a:p>
-            <a:pPr algn="ctr"/>
-            <a:r>
-              <a:rPr lang="fr-FR" b="1" dirty="0">
-                <a:latin typeface="Century Gothic" panose="020B0502020202020204" pitchFamily="34" charset="0"/>
-              </a:rPr>
-              <a:t>Baptiste Bideaux ©2022</a:t>
-            </a:r>
-          </a:p>
-        </p:txBody>
-      </p:sp>
-      <p:cxnSp>
-        <p:nvCxnSpPr>
-          <p:cNvPr id="15" name="Connecteur droit 14">
-            <a:extLst>
-              <a:ext uri="{FF2B5EF4-FFF2-40B4-BE49-F238E27FC236}">
-                <a16:creationId xmlns:a16="http://schemas.microsoft.com/office/drawing/2014/main" id="{2C3CD1F2-CFD8-B187-5787-0AFC0DF5C0B9}"/>
-              </a:ext>
-            </a:extLst>
-          </p:cNvPr>
-          <p:cNvCxnSpPr/>
-          <p:nvPr/>
-        </p:nvCxnSpPr>
-        <p:spPr>
-          <a:xfrm>
-            <a:off x="1345018" y="6150279"/>
-            <a:ext cx="5108609" cy="0"/>
-          </a:xfrm>
-          <a:prstGeom prst="line">
-            <a:avLst/>
-          </a:prstGeom>
-          <a:ln w="38100">
-            <a:solidFill>
-              <a:schemeClr val="tx1"/>
-            </a:solidFill>
-          </a:ln>
-        </p:spPr>
-        <p:style>
-          <a:lnRef idx="1">
-            <a:schemeClr val="accent1"/>
-          </a:lnRef>
-          <a:fillRef idx="0">
-            <a:schemeClr val="accent1"/>
-          </a:fillRef>
-          <a:effectRef idx="0">
-            <a:schemeClr val="accent1"/>
-          </a:effectRef>
-          <a:fontRef idx="minor">
-            <a:schemeClr val="tx1"/>
-          </a:fontRef>
-        </p:style>
-      </p:cxnSp>
-    </p:spTree>
-    <p:extLst>
-      <p:ext uri="{BB962C8B-B14F-4D97-AF65-F5344CB8AC3E}">
-        <p14:creationId xmlns:p14="http://schemas.microsoft.com/office/powerpoint/2010/main" val="1985006253"/>
-      </p:ext>
-    </p:extLst>
-  </p:cSld>
-  <p:clrMapOvr>
-    <a:masterClrMapping/>
-  </p:clrMapOvr>
-</p:sld>
-</file>
-
 <file path=ppt/theme/theme1.xml><?xml version="1.0" encoding="utf-8"?>
 <a:theme xmlns:a="http://schemas.openxmlformats.org/drawingml/2006/main" name="Thème Office">
   <a:themeElements>
